--- a/child_process_and_cluster_module/child_process_and_cluster_module.pptx
+++ b/child_process_and_cluster_module/child_process_and_cluster_module.pptx
@@ -5,22 +5,32 @@
     <p:sldMasterId id="2147483689" r:id="rId1"/>
   </p:sldMasterIdLst>
   <p:notesMasterIdLst>
-    <p:notesMasterId r:id="rId15"/>
+    <p:notesMasterId r:id="rId25"/>
   </p:notesMasterIdLst>
   <p:sldIdLst>
     <p:sldId id="256" r:id="rId2"/>
     <p:sldId id="313" r:id="rId3"/>
-    <p:sldId id="362" r:id="rId4"/>
-    <p:sldId id="363" r:id="rId5"/>
-    <p:sldId id="377" r:id="rId6"/>
-    <p:sldId id="376" r:id="rId7"/>
-    <p:sldId id="378" r:id="rId8"/>
-    <p:sldId id="364" r:id="rId9"/>
-    <p:sldId id="379" r:id="rId10"/>
-    <p:sldId id="371" r:id="rId11"/>
-    <p:sldId id="382" r:id="rId12"/>
-    <p:sldId id="380" r:id="rId13"/>
-    <p:sldId id="304" r:id="rId14"/>
+    <p:sldId id="384" r:id="rId4"/>
+    <p:sldId id="385" r:id="rId5"/>
+    <p:sldId id="387" r:id="rId6"/>
+    <p:sldId id="388" r:id="rId7"/>
+    <p:sldId id="389" r:id="rId8"/>
+    <p:sldId id="386" r:id="rId9"/>
+    <p:sldId id="390" r:id="rId10"/>
+    <p:sldId id="391" r:id="rId11"/>
+    <p:sldId id="392" r:id="rId12"/>
+    <p:sldId id="383" r:id="rId13"/>
+    <p:sldId id="362" r:id="rId14"/>
+    <p:sldId id="363" r:id="rId15"/>
+    <p:sldId id="377" r:id="rId16"/>
+    <p:sldId id="376" r:id="rId17"/>
+    <p:sldId id="378" r:id="rId18"/>
+    <p:sldId id="364" r:id="rId19"/>
+    <p:sldId id="379" r:id="rId20"/>
+    <p:sldId id="371" r:id="rId21"/>
+    <p:sldId id="382" r:id="rId22"/>
+    <p:sldId id="380" r:id="rId23"/>
+    <p:sldId id="304" r:id="rId24"/>
   </p:sldIdLst>
   <p:sldSz cx="9144000" cy="6858000" type="screen4x3"/>
   <p:notesSz cx="6858000" cy="9144000"/>
@@ -121,7 +131,7 @@
   </p:defaultTextStyle>
   <p:extLst>
     <p:ext uri="{EFAFB233-063F-42B5-8137-9DF3F51BA10A}">
-      <p15:sldGuideLst xmlns:p15="http://schemas.microsoft.com/office/powerpoint/2012/main" xmlns="">
+      <p15:sldGuideLst xmlns="" xmlns:p15="http://schemas.microsoft.com/office/powerpoint/2012/main">
         <p15:guide id="1" orient="horz" pos="2160">
           <p15:clr>
             <a:srgbClr val="A4A3A4"/>
@@ -220,7 +230,7 @@
           <a:p>
             <a:fld id="{1E64356D-F091-4486-B0BB-66BE03FC5D73}" type="datetimeFigureOut">
               <a:rPr lang="en-US" smtClean="0"/>
-              <a:t>4/9/2018</a:t>
+              <a:t>4/11/2018</a:t>
             </a:fld>
             <a:endParaRPr lang="en-US"/>
           </a:p>
@@ -1366,7 +1376,7 @@
             <a:fld id="{1D8BD707-D9CF-40AE-B4C6-C98DA3205C09}" type="datetimeFigureOut">
               <a:rPr lang="en-US" smtClean="0"/>
               <a:pPr/>
-              <a:t>4/9/2018</a:t>
+              <a:t>4/11/2018</a:t>
             </a:fld>
             <a:endParaRPr lang="en-US"/>
           </a:p>
@@ -1619,7 +1629,7 @@
             <a:fld id="{1D8BD707-D9CF-40AE-B4C6-C98DA3205C09}" type="datetimeFigureOut">
               <a:rPr lang="en-US" smtClean="0"/>
               <a:pPr/>
-              <a:t>4/9/2018</a:t>
+              <a:t>4/11/2018</a:t>
             </a:fld>
             <a:endParaRPr lang="en-US"/>
           </a:p>
@@ -1935,7 +1945,7 @@
             <a:fld id="{1D8BD707-D9CF-40AE-B4C6-C98DA3205C09}" type="datetimeFigureOut">
               <a:rPr lang="en-US" smtClean="0"/>
               <a:pPr/>
-              <a:t>4/9/2018</a:t>
+              <a:t>4/11/2018</a:t>
             </a:fld>
             <a:endParaRPr lang="en-US"/>
           </a:p>
@@ -2270,7 +2280,7 @@
             <a:fld id="{1D8BD707-D9CF-40AE-B4C6-C98DA3205C09}" type="datetimeFigureOut">
               <a:rPr lang="en-US" smtClean="0"/>
               <a:pPr/>
-              <a:t>4/9/2018</a:t>
+              <a:t>4/11/2018</a:t>
             </a:fld>
             <a:endParaRPr lang="en-US"/>
           </a:p>
@@ -2586,7 +2596,7 @@
             <a:fld id="{1D8BD707-D9CF-40AE-B4C6-C98DA3205C09}" type="datetimeFigureOut">
               <a:rPr lang="en-US" smtClean="0"/>
               <a:pPr/>
-              <a:t>4/9/2018</a:t>
+              <a:t>4/11/2018</a:t>
             </a:fld>
             <a:endParaRPr lang="en-US"/>
           </a:p>
@@ -2981,7 +2991,7 @@
             <a:fld id="{1D8BD707-D9CF-40AE-B4C6-C98DA3205C09}" type="datetimeFigureOut">
               <a:rPr lang="en-US" smtClean="0"/>
               <a:pPr/>
-              <a:t>4/9/2018</a:t>
+              <a:t>4/11/2018</a:t>
             </a:fld>
             <a:endParaRPr lang="en-US"/>
           </a:p>
@@ -3153,7 +3163,7 @@
             <a:fld id="{1D8BD707-D9CF-40AE-B4C6-C98DA3205C09}" type="datetimeFigureOut">
               <a:rPr lang="en-US" smtClean="0"/>
               <a:pPr/>
-              <a:t>4/9/2018</a:t>
+              <a:t>4/11/2018</a:t>
             </a:fld>
             <a:endParaRPr lang="en-US"/>
           </a:p>
@@ -3335,7 +3345,7 @@
             <a:fld id="{1D8BD707-D9CF-40AE-B4C6-C98DA3205C09}" type="datetimeFigureOut">
               <a:rPr lang="en-US" smtClean="0"/>
               <a:pPr/>
-              <a:t>4/9/2018</a:t>
+              <a:t>4/11/2018</a:t>
             </a:fld>
             <a:endParaRPr lang="en-US"/>
           </a:p>
@@ -3507,7 +3517,7 @@
             <a:fld id="{1D8BD707-D9CF-40AE-B4C6-C98DA3205C09}" type="datetimeFigureOut">
               <a:rPr lang="en-US" smtClean="0"/>
               <a:pPr/>
-              <a:t>4/9/2018</a:t>
+              <a:t>4/11/2018</a:t>
             </a:fld>
             <a:endParaRPr lang="en-US"/>
           </a:p>
@@ -3756,7 +3766,7 @@
             <a:fld id="{1D8BD707-D9CF-40AE-B4C6-C98DA3205C09}" type="datetimeFigureOut">
               <a:rPr lang="en-US" smtClean="0"/>
               <a:pPr/>
-              <a:t>4/9/2018</a:t>
+              <a:t>4/11/2018</a:t>
             </a:fld>
             <a:endParaRPr lang="en-US"/>
           </a:p>
@@ -4055,7 +4065,7 @@
             <a:fld id="{1D8BD707-D9CF-40AE-B4C6-C98DA3205C09}" type="datetimeFigureOut">
               <a:rPr lang="en-US" smtClean="0"/>
               <a:pPr/>
-              <a:t>4/9/2018</a:t>
+              <a:t>4/11/2018</a:t>
             </a:fld>
             <a:endParaRPr lang="en-US"/>
           </a:p>
@@ -4436,7 +4446,7 @@
             <a:fld id="{1D8BD707-D9CF-40AE-B4C6-C98DA3205C09}" type="datetimeFigureOut">
               <a:rPr lang="en-US" smtClean="0"/>
               <a:pPr/>
-              <a:t>4/9/2018</a:t>
+              <a:t>4/11/2018</a:t>
             </a:fld>
             <a:endParaRPr lang="en-US"/>
           </a:p>
@@ -4561,7 +4571,7 @@
             <a:fld id="{1D8BD707-D9CF-40AE-B4C6-C98DA3205C09}" type="datetimeFigureOut">
               <a:rPr lang="en-US" smtClean="0"/>
               <a:pPr/>
-              <a:t>4/9/2018</a:t>
+              <a:t>4/11/2018</a:t>
             </a:fld>
             <a:endParaRPr lang="en-US"/>
           </a:p>
@@ -4658,7 +4668,7 @@
             <a:fld id="{1D8BD707-D9CF-40AE-B4C6-C98DA3205C09}" type="datetimeFigureOut">
               <a:rPr lang="en-US" smtClean="0"/>
               <a:pPr/>
-              <a:t>4/9/2018</a:t>
+              <a:t>4/11/2018</a:t>
             </a:fld>
             <a:endParaRPr lang="en-US"/>
           </a:p>
@@ -4915,7 +4925,7 @@
             <a:fld id="{1D8BD707-D9CF-40AE-B4C6-C98DA3205C09}" type="datetimeFigureOut">
               <a:rPr lang="en-US" smtClean="0"/>
               <a:pPr/>
-              <a:t>4/9/2018</a:t>
+              <a:t>4/11/2018</a:t>
             </a:fld>
             <a:endParaRPr lang="en-US"/>
           </a:p>
@@ -5180,7 +5190,7 @@
             <a:fld id="{1D8BD707-D9CF-40AE-B4C6-C98DA3205C09}" type="datetimeFigureOut">
               <a:rPr lang="en-US" smtClean="0"/>
               <a:pPr/>
-              <a:t>4/9/2018</a:t>
+              <a:t>4/11/2018</a:t>
             </a:fld>
             <a:endParaRPr lang="en-US"/>
           </a:p>
@@ -5996,7 +6006,7 @@
             <a:fld id="{1D8BD707-D9CF-40AE-B4C6-C98DA3205C09}" type="datetimeFigureOut">
               <a:rPr lang="en-US" smtClean="0"/>
               <a:pPr/>
-              <a:t>4/9/2018</a:t>
+              <a:t>4/11/2018</a:t>
             </a:fld>
             <a:endParaRPr lang="en-US"/>
           </a:p>
@@ -6677,6 +6687,930 @@
             <p:ph type="title"/>
           </p:nvPr>
         </p:nvSpPr>
+        <p:spPr>
+          <a:xfrm>
+            <a:off x="609599" y="2133600"/>
+            <a:ext cx="6347713" cy="1320800"/>
+          </a:xfrm>
+        </p:spPr>
+        <p:txBody>
+          <a:bodyPr/>
+          <a:lstStyle/>
+          <a:p>
+            <a:r>
+              <a:rPr lang="en-US" dirty="0" smtClean="0"/>
+              <a:t>Demo – Child Process Spawn</a:t>
+            </a:r>
+            <a:endParaRPr lang="en-US" dirty="0"/>
+          </a:p>
+        </p:txBody>
+      </p:sp>
+    </p:spTree>
+    <p:extLst>
+      <p:ext uri="{BB962C8B-B14F-4D97-AF65-F5344CB8AC3E}">
+        <p14:creationId xmlns:p14="http://schemas.microsoft.com/office/powerpoint/2010/main" val="1933550073"/>
+      </p:ext>
+    </p:extLst>
+  </p:cSld>
+  <p:clrMapOvr>
+    <a:masterClrMapping/>
+  </p:clrMapOvr>
+</p:sld>
+</file>
+
+<file path=ppt/slides/slide11.xml><?xml version="1.0" encoding="utf-8"?>
+<p:sld xmlns:a="http://schemas.openxmlformats.org/drawingml/2006/main" xmlns:r="http://schemas.openxmlformats.org/officeDocument/2006/relationships" xmlns:p="http://schemas.openxmlformats.org/presentationml/2006/main">
+  <p:cSld>
+    <p:spTree>
+      <p:nvGrpSpPr>
+        <p:cNvPr id="1" name=""/>
+        <p:cNvGrpSpPr/>
+        <p:nvPr/>
+      </p:nvGrpSpPr>
+      <p:grpSpPr>
+        <a:xfrm>
+          <a:off x="0" y="0"/>
+          <a:ext cx="0" cy="0"/>
+          <a:chOff x="0" y="0"/>
+          <a:chExt cx="0" cy="0"/>
+        </a:xfrm>
+      </p:grpSpPr>
+      <p:sp>
+        <p:nvSpPr>
+          <p:cNvPr id="2" name="Title 1"/>
+          <p:cNvSpPr>
+            <a:spLocks noGrp="1"/>
+          </p:cNvSpPr>
+          <p:nvPr>
+            <p:ph type="title"/>
+          </p:nvPr>
+        </p:nvSpPr>
+        <p:spPr/>
+        <p:txBody>
+          <a:bodyPr/>
+          <a:lstStyle/>
+          <a:p>
+            <a:r>
+              <a:rPr lang="en-US" dirty="0" smtClean="0"/>
+              <a:t>Fork Method</a:t>
+            </a:r>
+            <a:endParaRPr lang="en-US" dirty="0"/>
+          </a:p>
+        </p:txBody>
+      </p:sp>
+      <p:sp>
+        <p:nvSpPr>
+          <p:cNvPr id="3" name="Content Placeholder 2"/>
+          <p:cNvSpPr>
+            <a:spLocks noGrp="1"/>
+          </p:cNvSpPr>
+          <p:nvPr>
+            <p:ph idx="1"/>
+          </p:nvPr>
+        </p:nvSpPr>
+        <p:spPr/>
+        <p:txBody>
+          <a:bodyPr/>
+          <a:lstStyle/>
+          <a:p>
+            <a:r>
+              <a:rPr lang="en-US" dirty="0" smtClean="0"/>
+              <a:t>Open an IPC channel to allow message transferring</a:t>
+            </a:r>
+          </a:p>
+          <a:p>
+            <a:r>
+              <a:rPr lang="en-US" dirty="0"/>
+              <a:t>Each process has it’s own memory, with their own V8 instances </a:t>
+            </a:r>
+            <a:endParaRPr lang="en-US" dirty="0" smtClean="0"/>
+          </a:p>
+          <a:p>
+            <a:r>
+              <a:rPr lang="en-US" dirty="0" smtClean="0"/>
+              <a:t>When ?</a:t>
+            </a:r>
+          </a:p>
+          <a:p>
+            <a:pPr lvl="1"/>
+            <a:r>
+              <a:rPr lang="en-US" dirty="0" smtClean="0"/>
+              <a:t>Offloading long running task by writing a different script for them and execute it on a new process</a:t>
+            </a:r>
+          </a:p>
+          <a:p>
+            <a:pPr lvl="1"/>
+            <a:r>
+              <a:rPr lang="en-US" dirty="0" smtClean="0"/>
+              <a:t>Most common use case – </a:t>
+            </a:r>
+            <a:r>
+              <a:rPr lang="en-US" sz="1800" b="1" dirty="0" smtClean="0"/>
+              <a:t>The cluster Module  </a:t>
+            </a:r>
+          </a:p>
+          <a:p>
+            <a:endParaRPr lang="en-US" dirty="0"/>
+          </a:p>
+        </p:txBody>
+      </p:sp>
+    </p:spTree>
+    <p:extLst>
+      <p:ext uri="{BB962C8B-B14F-4D97-AF65-F5344CB8AC3E}">
+        <p14:creationId xmlns:p14="http://schemas.microsoft.com/office/powerpoint/2010/main" val="2897504489"/>
+      </p:ext>
+    </p:extLst>
+  </p:cSld>
+  <p:clrMapOvr>
+    <a:masterClrMapping/>
+  </p:clrMapOvr>
+</p:sld>
+</file>
+
+<file path=ppt/slides/slide12.xml><?xml version="1.0" encoding="utf-8"?>
+<p:sld xmlns:a="http://schemas.openxmlformats.org/drawingml/2006/main" xmlns:r="http://schemas.openxmlformats.org/officeDocument/2006/relationships" xmlns:p="http://schemas.openxmlformats.org/presentationml/2006/main">
+  <p:cSld>
+    <p:spTree>
+      <p:nvGrpSpPr>
+        <p:cNvPr id="1" name=""/>
+        <p:cNvGrpSpPr/>
+        <p:nvPr/>
+      </p:nvGrpSpPr>
+      <p:grpSpPr>
+        <a:xfrm>
+          <a:off x="0" y="0"/>
+          <a:ext cx="0" cy="0"/>
+          <a:chOff x="0" y="0"/>
+          <a:chExt cx="0" cy="0"/>
+        </a:xfrm>
+      </p:grpSpPr>
+      <p:sp>
+        <p:nvSpPr>
+          <p:cNvPr id="2" name="Title 1"/>
+          <p:cNvSpPr>
+            <a:spLocks noGrp="1"/>
+          </p:cNvSpPr>
+          <p:nvPr>
+            <p:ph type="title"/>
+          </p:nvPr>
+        </p:nvSpPr>
+        <p:spPr>
+          <a:xfrm>
+            <a:off x="533400" y="2565400"/>
+            <a:ext cx="6347713" cy="1320800"/>
+          </a:xfrm>
+        </p:spPr>
+        <p:txBody>
+          <a:bodyPr/>
+          <a:lstStyle/>
+          <a:p>
+            <a:r>
+              <a:rPr lang="en-US" dirty="0" smtClean="0"/>
+              <a:t>The Cluster Module</a:t>
+            </a:r>
+            <a:endParaRPr lang="en-US" dirty="0"/>
+          </a:p>
+        </p:txBody>
+      </p:sp>
+    </p:spTree>
+    <p:extLst>
+      <p:ext uri="{BB962C8B-B14F-4D97-AF65-F5344CB8AC3E}">
+        <p14:creationId xmlns:p14="http://schemas.microsoft.com/office/powerpoint/2010/main" val="4288547493"/>
+      </p:ext>
+    </p:extLst>
+  </p:cSld>
+  <p:clrMapOvr>
+    <a:masterClrMapping/>
+  </p:clrMapOvr>
+</p:sld>
+</file>
+
+<file path=ppt/slides/slide13.xml><?xml version="1.0" encoding="utf-8"?>
+<p:sld xmlns:a="http://schemas.openxmlformats.org/drawingml/2006/main" xmlns:r="http://schemas.openxmlformats.org/officeDocument/2006/relationships" xmlns:p="http://schemas.openxmlformats.org/presentationml/2006/main">
+  <p:cSld>
+    <p:spTree>
+      <p:nvGrpSpPr>
+        <p:cNvPr id="1" name=""/>
+        <p:cNvGrpSpPr/>
+        <p:nvPr/>
+      </p:nvGrpSpPr>
+      <p:grpSpPr>
+        <a:xfrm>
+          <a:off x="0" y="0"/>
+          <a:ext cx="0" cy="0"/>
+          <a:chOff x="0" y="0"/>
+          <a:chExt cx="0" cy="0"/>
+        </a:xfrm>
+      </p:grpSpPr>
+      <p:sp>
+        <p:nvSpPr>
+          <p:cNvPr id="2" name="Title 1"/>
+          <p:cNvSpPr>
+            <a:spLocks noGrp="1"/>
+          </p:cNvSpPr>
+          <p:nvPr>
+            <p:ph type="title"/>
+          </p:nvPr>
+        </p:nvSpPr>
+        <p:spPr/>
+        <p:txBody>
+          <a:bodyPr>
+            <a:normAutofit/>
+          </a:bodyPr>
+          <a:lstStyle/>
+          <a:p>
+            <a:r>
+              <a:rPr lang="en-US" dirty="0" smtClean="0"/>
+              <a:t>Node.js Single Process</a:t>
+            </a:r>
+            <a:endParaRPr lang="en-US" dirty="0"/>
+          </a:p>
+        </p:txBody>
+      </p:sp>
+      <p:sp>
+        <p:nvSpPr>
+          <p:cNvPr id="3" name="Content Placeholder 2"/>
+          <p:cNvSpPr>
+            <a:spLocks noGrp="1"/>
+          </p:cNvSpPr>
+          <p:nvPr>
+            <p:ph idx="1"/>
+          </p:nvPr>
+        </p:nvSpPr>
+        <p:spPr/>
+        <p:txBody>
+          <a:bodyPr/>
+          <a:lstStyle/>
+          <a:p>
+            <a:r>
+              <a:rPr lang="en-US" dirty="0" smtClean="0"/>
+              <a:t>Node.js Is single process with event loop</a:t>
+            </a:r>
+          </a:p>
+          <a:p>
+            <a:r>
+              <a:rPr lang="en-US" dirty="0" smtClean="0"/>
+              <a:t>If You have a multi core machine – you will not use your entire machine power</a:t>
+            </a:r>
+          </a:p>
+          <a:p>
+            <a:r>
+              <a:rPr lang="en-US" dirty="0" smtClean="0"/>
+              <a:t>The load on one CPU is limited – not matter how strong the CPU is</a:t>
+            </a:r>
+          </a:p>
+          <a:p>
+            <a:r>
+              <a:rPr lang="en-US" dirty="0" smtClean="0"/>
+              <a:t>You need a way to run your application on multi process and to use the entire machine power.</a:t>
+            </a:r>
+          </a:p>
+        </p:txBody>
+      </p:sp>
+    </p:spTree>
+    <p:extLst>
+      <p:ext uri="{BB962C8B-B14F-4D97-AF65-F5344CB8AC3E}">
+        <p14:creationId xmlns:p14="http://schemas.microsoft.com/office/powerpoint/2010/main" val="2886122911"/>
+      </p:ext>
+    </p:extLst>
+  </p:cSld>
+  <p:clrMapOvr>
+    <a:masterClrMapping/>
+  </p:clrMapOvr>
+</p:sld>
+</file>
+
+<file path=ppt/slides/slide14.xml><?xml version="1.0" encoding="utf-8"?>
+<p:sld xmlns:a="http://schemas.openxmlformats.org/drawingml/2006/main" xmlns:r="http://schemas.openxmlformats.org/officeDocument/2006/relationships" xmlns:p="http://schemas.openxmlformats.org/presentationml/2006/main">
+  <p:cSld>
+    <p:spTree>
+      <p:nvGrpSpPr>
+        <p:cNvPr id="1" name=""/>
+        <p:cNvGrpSpPr/>
+        <p:nvPr/>
+      </p:nvGrpSpPr>
+      <p:grpSpPr>
+        <a:xfrm>
+          <a:off x="0" y="0"/>
+          <a:ext cx="0" cy="0"/>
+          <a:chOff x="0" y="0"/>
+          <a:chExt cx="0" cy="0"/>
+        </a:xfrm>
+      </p:grpSpPr>
+      <p:sp>
+        <p:nvSpPr>
+          <p:cNvPr id="2" name="Title 1"/>
+          <p:cNvSpPr>
+            <a:spLocks noGrp="1"/>
+          </p:cNvSpPr>
+          <p:nvPr>
+            <p:ph type="title"/>
+          </p:nvPr>
+        </p:nvSpPr>
+        <p:spPr/>
+        <p:txBody>
+          <a:bodyPr/>
+          <a:lstStyle/>
+          <a:p>
+            <a:r>
+              <a:rPr lang="en-US" dirty="0" smtClean="0"/>
+              <a:t>Introducing The Cluster Module</a:t>
+            </a:r>
+            <a:endParaRPr lang="en-US" dirty="0"/>
+          </a:p>
+        </p:txBody>
+      </p:sp>
+      <p:sp>
+        <p:nvSpPr>
+          <p:cNvPr id="3" name="Content Placeholder 2"/>
+          <p:cNvSpPr>
+            <a:spLocks noGrp="1"/>
+          </p:cNvSpPr>
+          <p:nvPr>
+            <p:ph idx="1"/>
+          </p:nvPr>
+        </p:nvSpPr>
+        <p:spPr/>
+        <p:txBody>
+          <a:bodyPr/>
+          <a:lstStyle/>
+          <a:p>
+            <a:r>
+              <a:rPr lang="en-US" dirty="0" smtClean="0"/>
+              <a:t>A module that helps us to utilize all the CPUs of the machine</a:t>
+            </a:r>
+          </a:p>
+          <a:p>
+            <a:r>
+              <a:rPr lang="en-US" dirty="0" smtClean="0"/>
+              <a:t>Contains set of functions and properties </a:t>
+            </a:r>
+          </a:p>
+          <a:p>
+            <a:r>
+              <a:rPr lang="en-US" dirty="0" smtClean="0"/>
+              <a:t>Enables us to fork several new process</a:t>
+            </a:r>
+          </a:p>
+          <a:p>
+            <a:r>
+              <a:rPr lang="en-US" dirty="0" smtClean="0"/>
+              <a:t>Main goal – to easily create more processes to handle more load and scale you application easily</a:t>
+            </a:r>
+            <a:endParaRPr lang="en-US" dirty="0"/>
+          </a:p>
+        </p:txBody>
+      </p:sp>
+    </p:spTree>
+    <p:extLst>
+      <p:ext uri="{BB962C8B-B14F-4D97-AF65-F5344CB8AC3E}">
+        <p14:creationId xmlns:p14="http://schemas.microsoft.com/office/powerpoint/2010/main" val="3894075416"/>
+      </p:ext>
+    </p:extLst>
+  </p:cSld>
+  <p:clrMapOvr>
+    <a:masterClrMapping/>
+  </p:clrMapOvr>
+</p:sld>
+</file>
+
+<file path=ppt/slides/slide15.xml><?xml version="1.0" encoding="utf-8"?>
+<p:sld xmlns:a="http://schemas.openxmlformats.org/drawingml/2006/main" xmlns:r="http://schemas.openxmlformats.org/officeDocument/2006/relationships" xmlns:p="http://schemas.openxmlformats.org/presentationml/2006/main">
+  <p:cSld>
+    <p:spTree>
+      <p:nvGrpSpPr>
+        <p:cNvPr id="1" name=""/>
+        <p:cNvGrpSpPr/>
+        <p:nvPr/>
+      </p:nvGrpSpPr>
+      <p:grpSpPr>
+        <a:xfrm>
+          <a:off x="0" y="0"/>
+          <a:ext cx="0" cy="0"/>
+          <a:chOff x="0" y="0"/>
+          <a:chExt cx="0" cy="0"/>
+        </a:xfrm>
+      </p:grpSpPr>
+      <p:sp>
+        <p:nvSpPr>
+          <p:cNvPr id="2" name="Title 1"/>
+          <p:cNvSpPr>
+            <a:spLocks noGrp="1"/>
+          </p:cNvSpPr>
+          <p:nvPr>
+            <p:ph type="title"/>
+          </p:nvPr>
+        </p:nvSpPr>
+        <p:spPr/>
+        <p:txBody>
+          <a:bodyPr/>
+          <a:lstStyle/>
+          <a:p>
+            <a:r>
+              <a:rPr lang="en-US" dirty="0" smtClean="0"/>
+              <a:t>How it works on a nutshell</a:t>
+            </a:r>
+            <a:endParaRPr lang="en-US" dirty="0"/>
+          </a:p>
+        </p:txBody>
+      </p:sp>
+      <p:sp>
+        <p:nvSpPr>
+          <p:cNvPr id="3" name="Content Placeholder 2"/>
+          <p:cNvSpPr>
+            <a:spLocks noGrp="1"/>
+          </p:cNvSpPr>
+          <p:nvPr>
+            <p:ph idx="1"/>
+          </p:nvPr>
+        </p:nvSpPr>
+        <p:spPr/>
+        <p:txBody>
+          <a:bodyPr/>
+          <a:lstStyle/>
+          <a:p>
+            <a:r>
+              <a:rPr lang="en-US" dirty="0" smtClean="0"/>
+              <a:t>Has a master process and a child process</a:t>
+            </a:r>
+          </a:p>
+          <a:p>
+            <a:r>
+              <a:rPr lang="en-US" dirty="0" smtClean="0"/>
+              <a:t>All processes share the same server port</a:t>
+            </a:r>
+          </a:p>
+          <a:p>
+            <a:r>
+              <a:rPr lang="en-US" dirty="0" smtClean="0"/>
+              <a:t>Communication done with IPC (inter process communication) messages</a:t>
+            </a:r>
+          </a:p>
+          <a:p>
+            <a:r>
+              <a:rPr lang="en-US" dirty="0" smtClean="0"/>
+              <a:t>No shared memory </a:t>
+            </a:r>
+          </a:p>
+          <a:p>
+            <a:r>
+              <a:rPr lang="en-US" dirty="0" smtClean="0"/>
+              <a:t>Each process is independent – has it’s own memory and resources</a:t>
+            </a:r>
+          </a:p>
+          <a:p>
+            <a:r>
+              <a:rPr lang="en-US" dirty="0" smtClean="0"/>
+              <a:t>Not recommended to spawn a lot of processes</a:t>
+            </a:r>
+            <a:endParaRPr lang="en-US" dirty="0"/>
+          </a:p>
+        </p:txBody>
+      </p:sp>
+    </p:spTree>
+    <p:extLst>
+      <p:ext uri="{BB962C8B-B14F-4D97-AF65-F5344CB8AC3E}">
+        <p14:creationId xmlns:p14="http://schemas.microsoft.com/office/powerpoint/2010/main" val="2193335476"/>
+      </p:ext>
+    </p:extLst>
+  </p:cSld>
+  <p:clrMapOvr>
+    <a:masterClrMapping/>
+  </p:clrMapOvr>
+</p:sld>
+</file>
+
+<file path=ppt/slides/slide16.xml><?xml version="1.0" encoding="utf-8"?>
+<p:sld xmlns:a="http://schemas.openxmlformats.org/drawingml/2006/main" xmlns:r="http://schemas.openxmlformats.org/officeDocument/2006/relationships" xmlns:p="http://schemas.openxmlformats.org/presentationml/2006/main">
+  <p:cSld>
+    <p:spTree>
+      <p:nvGrpSpPr>
+        <p:cNvPr id="1" name=""/>
+        <p:cNvGrpSpPr/>
+        <p:nvPr/>
+      </p:nvGrpSpPr>
+      <p:grpSpPr>
+        <a:xfrm>
+          <a:off x="0" y="0"/>
+          <a:ext cx="0" cy="0"/>
+          <a:chOff x="0" y="0"/>
+          <a:chExt cx="0" cy="0"/>
+        </a:xfrm>
+      </p:grpSpPr>
+      <p:sp>
+        <p:nvSpPr>
+          <p:cNvPr id="2" name="Title 1"/>
+          <p:cNvSpPr>
+            <a:spLocks noGrp="1"/>
+          </p:cNvSpPr>
+          <p:nvPr>
+            <p:ph type="title"/>
+          </p:nvPr>
+        </p:nvSpPr>
+        <p:spPr/>
+        <p:txBody>
+          <a:bodyPr/>
+          <a:lstStyle/>
+          <a:p>
+            <a:r>
+              <a:rPr lang="en-US" dirty="0" smtClean="0"/>
+              <a:t>Master Slave Model</a:t>
+            </a:r>
+            <a:endParaRPr lang="en-US" dirty="0"/>
+          </a:p>
+        </p:txBody>
+      </p:sp>
+      <p:pic>
+        <p:nvPicPr>
+          <p:cNvPr id="3" name="Picture 2"/>
+          <p:cNvPicPr>
+            <a:picLocks noChangeAspect="1"/>
+          </p:cNvPicPr>
+          <p:nvPr/>
+        </p:nvPicPr>
+        <p:blipFill>
+          <a:blip r:embed="rId2">
+            <a:extLst>
+              <a:ext uri="{28A0092B-C50C-407E-A947-70E740481C1C}">
+                <a14:useLocalDpi xmlns:a14="http://schemas.microsoft.com/office/drawing/2010/main" val="0"/>
+              </a:ext>
+            </a:extLst>
+          </a:blip>
+          <a:stretch>
+            <a:fillRect/>
+          </a:stretch>
+        </p:blipFill>
+        <p:spPr>
+          <a:xfrm>
+            <a:off x="609600" y="2133600"/>
+            <a:ext cx="7080252" cy="2286000"/>
+          </a:xfrm>
+          <a:prstGeom prst="rect">
+            <a:avLst/>
+          </a:prstGeom>
+        </p:spPr>
+      </p:pic>
+    </p:spTree>
+    <p:extLst>
+      <p:ext uri="{BB962C8B-B14F-4D97-AF65-F5344CB8AC3E}">
+        <p14:creationId xmlns:p14="http://schemas.microsoft.com/office/powerpoint/2010/main" val="1687140342"/>
+      </p:ext>
+    </p:extLst>
+  </p:cSld>
+  <p:clrMapOvr>
+    <a:masterClrMapping/>
+  </p:clrMapOvr>
+</p:sld>
+</file>
+
+<file path=ppt/slides/slide17.xml><?xml version="1.0" encoding="utf-8"?>
+<p:sld xmlns:a="http://schemas.openxmlformats.org/drawingml/2006/main" xmlns:r="http://schemas.openxmlformats.org/officeDocument/2006/relationships" xmlns:p="http://schemas.openxmlformats.org/presentationml/2006/main">
+  <p:cSld>
+    <p:spTree>
+      <p:nvGrpSpPr>
+        <p:cNvPr id="1" name=""/>
+        <p:cNvGrpSpPr/>
+        <p:nvPr/>
+      </p:nvGrpSpPr>
+      <p:grpSpPr>
+        <a:xfrm>
+          <a:off x="0" y="0"/>
+          <a:ext cx="0" cy="0"/>
+          <a:chOff x="0" y="0"/>
+          <a:chExt cx="0" cy="0"/>
+        </a:xfrm>
+      </p:grpSpPr>
+      <p:sp>
+        <p:nvSpPr>
+          <p:cNvPr id="2" name="Title 1"/>
+          <p:cNvSpPr>
+            <a:spLocks noGrp="1"/>
+          </p:cNvSpPr>
+          <p:nvPr>
+            <p:ph type="title"/>
+          </p:nvPr>
+        </p:nvSpPr>
+        <p:spPr>
+          <a:xfrm>
+            <a:off x="609599" y="2336800"/>
+            <a:ext cx="6347713" cy="1320800"/>
+          </a:xfrm>
+        </p:spPr>
+        <p:txBody>
+          <a:bodyPr/>
+          <a:lstStyle/>
+          <a:p>
+            <a:r>
+              <a:rPr lang="en-US" dirty="0" smtClean="0"/>
+              <a:t>Demo – Base Example Of Cluster Module</a:t>
+            </a:r>
+            <a:endParaRPr lang="en-US" dirty="0"/>
+          </a:p>
+        </p:txBody>
+      </p:sp>
+    </p:spTree>
+    <p:extLst>
+      <p:ext uri="{BB962C8B-B14F-4D97-AF65-F5344CB8AC3E}">
+        <p14:creationId xmlns:p14="http://schemas.microsoft.com/office/powerpoint/2010/main" val="3059242493"/>
+      </p:ext>
+    </p:extLst>
+  </p:cSld>
+  <p:clrMapOvr>
+    <a:masterClrMapping/>
+  </p:clrMapOvr>
+</p:sld>
+</file>
+
+<file path=ppt/slides/slide18.xml><?xml version="1.0" encoding="utf-8"?>
+<p:sld xmlns:a="http://schemas.openxmlformats.org/drawingml/2006/main" xmlns:r="http://schemas.openxmlformats.org/officeDocument/2006/relationships" xmlns:p="http://schemas.openxmlformats.org/presentationml/2006/main">
+  <p:cSld>
+    <p:spTree>
+      <p:nvGrpSpPr>
+        <p:cNvPr id="1" name=""/>
+        <p:cNvGrpSpPr/>
+        <p:nvPr/>
+      </p:nvGrpSpPr>
+      <p:grpSpPr>
+        <a:xfrm>
+          <a:off x="0" y="0"/>
+          <a:ext cx="0" cy="0"/>
+          <a:chOff x="0" y="0"/>
+          <a:chExt cx="0" cy="0"/>
+        </a:xfrm>
+      </p:grpSpPr>
+      <p:sp>
+        <p:nvSpPr>
+          <p:cNvPr id="2" name="Title 1"/>
+          <p:cNvSpPr>
+            <a:spLocks noGrp="1"/>
+          </p:cNvSpPr>
+          <p:nvPr>
+            <p:ph type="title"/>
+          </p:nvPr>
+        </p:nvSpPr>
+        <p:spPr/>
+        <p:txBody>
+          <a:bodyPr/>
+          <a:lstStyle/>
+          <a:p>
+            <a:r>
+              <a:rPr lang="en-US" dirty="0" smtClean="0"/>
+              <a:t>Master And Child Process Communication</a:t>
+            </a:r>
+            <a:endParaRPr lang="en-US" dirty="0"/>
+          </a:p>
+        </p:txBody>
+      </p:sp>
+      <p:sp>
+        <p:nvSpPr>
+          <p:cNvPr id="3" name="Content Placeholder 2"/>
+          <p:cNvSpPr>
+            <a:spLocks noGrp="1"/>
+          </p:cNvSpPr>
+          <p:nvPr>
+            <p:ph idx="1"/>
+          </p:nvPr>
+        </p:nvSpPr>
+        <p:spPr/>
+        <p:txBody>
+          <a:bodyPr/>
+          <a:lstStyle/>
+          <a:p>
+            <a:r>
+              <a:rPr lang="en-US" dirty="0" smtClean="0"/>
+              <a:t>IPC channel is created between master and worker on each worker forking</a:t>
+            </a:r>
+          </a:p>
+          <a:p>
+            <a:r>
+              <a:rPr lang="en-US" dirty="0" smtClean="0"/>
+              <a:t>Different Processes – No shared memory</a:t>
+            </a:r>
+          </a:p>
+          <a:p>
+            <a:r>
+              <a:rPr lang="en-US" dirty="0" smtClean="0"/>
+              <a:t>Only IPC available for communication</a:t>
+            </a:r>
+            <a:endParaRPr lang="he-IL" dirty="0" smtClean="0"/>
+          </a:p>
+        </p:txBody>
+      </p:sp>
+    </p:spTree>
+    <p:extLst>
+      <p:ext uri="{BB962C8B-B14F-4D97-AF65-F5344CB8AC3E}">
+        <p14:creationId xmlns:p14="http://schemas.microsoft.com/office/powerpoint/2010/main" val="3663710991"/>
+      </p:ext>
+    </p:extLst>
+  </p:cSld>
+  <p:clrMapOvr>
+    <a:masterClrMapping/>
+  </p:clrMapOvr>
+</p:sld>
+</file>
+
+<file path=ppt/slides/slide19.xml><?xml version="1.0" encoding="utf-8"?>
+<p:sld xmlns:a="http://schemas.openxmlformats.org/drawingml/2006/main" xmlns:r="http://schemas.openxmlformats.org/officeDocument/2006/relationships" xmlns:p="http://schemas.openxmlformats.org/presentationml/2006/main">
+  <p:cSld>
+    <p:spTree>
+      <p:nvGrpSpPr>
+        <p:cNvPr id="1" name=""/>
+        <p:cNvGrpSpPr/>
+        <p:nvPr/>
+      </p:nvGrpSpPr>
+      <p:grpSpPr>
+        <a:xfrm>
+          <a:off x="0" y="0"/>
+          <a:ext cx="0" cy="0"/>
+          <a:chOff x="0" y="0"/>
+          <a:chExt cx="0" cy="0"/>
+        </a:xfrm>
+      </p:grpSpPr>
+      <p:sp>
+        <p:nvSpPr>
+          <p:cNvPr id="2" name="Title 1"/>
+          <p:cNvSpPr>
+            <a:spLocks noGrp="1"/>
+          </p:cNvSpPr>
+          <p:nvPr>
+            <p:ph type="title"/>
+          </p:nvPr>
+        </p:nvSpPr>
+        <p:spPr>
+          <a:xfrm>
+            <a:off x="609599" y="2336800"/>
+            <a:ext cx="6347713" cy="1320800"/>
+          </a:xfrm>
+        </p:spPr>
+        <p:txBody>
+          <a:bodyPr/>
+          <a:lstStyle/>
+          <a:p>
+            <a:r>
+              <a:rPr lang="en-US" dirty="0" smtClean="0"/>
+              <a:t>Demo –Cluster Module Master Child Communication</a:t>
+            </a:r>
+            <a:endParaRPr lang="en-US" dirty="0"/>
+          </a:p>
+        </p:txBody>
+      </p:sp>
+    </p:spTree>
+    <p:extLst>
+      <p:ext uri="{BB962C8B-B14F-4D97-AF65-F5344CB8AC3E}">
+        <p14:creationId xmlns:p14="http://schemas.microsoft.com/office/powerpoint/2010/main" val="3369191606"/>
+      </p:ext>
+    </p:extLst>
+  </p:cSld>
+  <p:clrMapOvr>
+    <a:masterClrMapping/>
+  </p:clrMapOvr>
+</p:sld>
+</file>
+
+<file path=ppt/slides/slide2.xml><?xml version="1.0" encoding="utf-8"?>
+<p:sld xmlns:a="http://schemas.openxmlformats.org/drawingml/2006/main" xmlns:r="http://schemas.openxmlformats.org/officeDocument/2006/relationships" xmlns:p="http://schemas.openxmlformats.org/presentationml/2006/main">
+  <p:cSld>
+    <p:spTree>
+      <p:nvGrpSpPr>
+        <p:cNvPr id="1" name=""/>
+        <p:cNvGrpSpPr/>
+        <p:nvPr/>
+      </p:nvGrpSpPr>
+      <p:grpSpPr>
+        <a:xfrm>
+          <a:off x="0" y="0"/>
+          <a:ext cx="0" cy="0"/>
+          <a:chOff x="0" y="0"/>
+          <a:chExt cx="0" cy="0"/>
+        </a:xfrm>
+      </p:grpSpPr>
+      <p:sp>
+        <p:nvSpPr>
+          <p:cNvPr id="2" name="Title 1"/>
+          <p:cNvSpPr>
+            <a:spLocks noGrp="1"/>
+          </p:cNvSpPr>
+          <p:nvPr>
+            <p:ph type="title"/>
+          </p:nvPr>
+        </p:nvSpPr>
+        <p:spPr/>
+        <p:txBody>
+          <a:bodyPr/>
+          <a:lstStyle/>
+          <a:p>
+            <a:r>
+              <a:rPr lang="en-US" dirty="0" smtClean="0"/>
+              <a:t>Agenda</a:t>
+            </a:r>
+            <a:endParaRPr lang="en-US" dirty="0"/>
+          </a:p>
+        </p:txBody>
+      </p:sp>
+      <p:sp>
+        <p:nvSpPr>
+          <p:cNvPr id="3" name="Content Placeholder 2"/>
+          <p:cNvSpPr>
+            <a:spLocks noGrp="1"/>
+          </p:cNvSpPr>
+          <p:nvPr>
+            <p:ph idx="1"/>
+          </p:nvPr>
+        </p:nvSpPr>
+        <p:spPr/>
+        <p:txBody>
+          <a:bodyPr/>
+          <a:lstStyle/>
+          <a:p>
+            <a:r>
+              <a:rPr lang="en-US" dirty="0" smtClean="0"/>
+              <a:t>Introduction to Child Process module</a:t>
+            </a:r>
+          </a:p>
+          <a:p>
+            <a:r>
+              <a:rPr lang="en-US" dirty="0" smtClean="0"/>
+              <a:t>Child Process different operations</a:t>
+            </a:r>
+          </a:p>
+          <a:p>
+            <a:r>
+              <a:rPr lang="en-US" dirty="0" smtClean="0"/>
+              <a:t>The cluster module – a possible solution to scale your application on a multi-core machine</a:t>
+            </a:r>
+          </a:p>
+          <a:p>
+            <a:r>
+              <a:rPr lang="en-US" dirty="0" smtClean="0"/>
+              <a:t>Cluster Module Basic example</a:t>
+            </a:r>
+          </a:p>
+          <a:p>
+            <a:r>
+              <a:rPr lang="en-US" dirty="0" smtClean="0"/>
+              <a:t>Cluster Module</a:t>
+            </a:r>
+            <a:r>
+              <a:rPr lang="en-US" dirty="0" smtClean="0"/>
+              <a:t> IPC</a:t>
+            </a:r>
+          </a:p>
+          <a:p>
+            <a:r>
+              <a:rPr lang="en-US" dirty="0" smtClean="0"/>
+              <a:t>Basic Server with the cluster module</a:t>
+            </a:r>
+            <a:endParaRPr lang="en-US" dirty="0"/>
+          </a:p>
+        </p:txBody>
+      </p:sp>
+    </p:spTree>
+    <p:extLst>
+      <p:ext uri="{BB962C8B-B14F-4D97-AF65-F5344CB8AC3E}">
+        <p14:creationId xmlns:p14="http://schemas.microsoft.com/office/powerpoint/2010/main" val="1790054153"/>
+      </p:ext>
+    </p:extLst>
+  </p:cSld>
+  <p:clrMapOvr>
+    <a:masterClrMapping/>
+  </p:clrMapOvr>
+  <p:timing>
+    <p:tnLst>
+      <p:par>
+        <p:cTn id="1" dur="indefinite" restart="never" nodeType="tmRoot"/>
+      </p:par>
+    </p:tnLst>
+  </p:timing>
+</p:sld>
+</file>
+
+<file path=ppt/slides/slide20.xml><?xml version="1.0" encoding="utf-8"?>
+<p:sld xmlns:a="http://schemas.openxmlformats.org/drawingml/2006/main" xmlns:r="http://schemas.openxmlformats.org/officeDocument/2006/relationships" xmlns:p="http://schemas.openxmlformats.org/presentationml/2006/main">
+  <p:cSld>
+    <p:spTree>
+      <p:nvGrpSpPr>
+        <p:cNvPr id="1" name=""/>
+        <p:cNvGrpSpPr/>
+        <p:nvPr/>
+      </p:nvGrpSpPr>
+      <p:grpSpPr>
+        <a:xfrm>
+          <a:off x="0" y="0"/>
+          <a:ext cx="0" cy="0"/>
+          <a:chOff x="0" y="0"/>
+          <a:chExt cx="0" cy="0"/>
+        </a:xfrm>
+      </p:grpSpPr>
+      <p:sp>
+        <p:nvSpPr>
+          <p:cNvPr id="2" name="Title 1"/>
+          <p:cNvSpPr>
+            <a:spLocks noGrp="1"/>
+          </p:cNvSpPr>
+          <p:nvPr>
+            <p:ph type="title"/>
+          </p:nvPr>
+        </p:nvSpPr>
         <p:spPr/>
         <p:txBody>
           <a:bodyPr/>
@@ -6822,7 +7756,7 @@
 </p:sld>
 </file>
 
-<file path=ppt/slides/slide11.xml><?xml version="1.0" encoding="utf-8"?>
+<file path=ppt/slides/slide21.xml><?xml version="1.0" encoding="utf-8"?>
 <p:sld xmlns:a="http://schemas.openxmlformats.org/drawingml/2006/main" xmlns:r="http://schemas.openxmlformats.org/officeDocument/2006/relationships" xmlns:p="http://schemas.openxmlformats.org/presentationml/2006/main">
   <p:cSld>
     <p:spTree>
@@ -7696,7 +8630,7 @@
 </p:sld>
 </file>
 
-<file path=ppt/slides/slide12.xml><?xml version="1.0" encoding="utf-8"?>
+<file path=ppt/slides/slide22.xml><?xml version="1.0" encoding="utf-8"?>
 <p:sld xmlns:a="http://schemas.openxmlformats.org/drawingml/2006/main" xmlns:r="http://schemas.openxmlformats.org/officeDocument/2006/relationships" xmlns:p="http://schemas.openxmlformats.org/presentationml/2006/main">
   <p:cSld>
     <p:spTree>
@@ -7754,7 +8688,7 @@
 </p:sld>
 </file>
 
-<file path=ppt/slides/slide13.xml><?xml version="1.0" encoding="utf-8"?>
+<file path=ppt/slides/slide23.xml><?xml version="1.0" encoding="utf-8"?>
 <p:sld xmlns:a="http://schemas.openxmlformats.org/drawingml/2006/main" xmlns:r="http://schemas.openxmlformats.org/officeDocument/2006/relationships" xmlns:p="http://schemas.openxmlformats.org/presentationml/2006/main">
   <p:cSld>
     <p:spTree>
@@ -7808,108 +8742,6 @@
   <p:clrMapOvr>
     <a:masterClrMapping/>
   </p:clrMapOvr>
-</p:sld>
-</file>
-
-<file path=ppt/slides/slide2.xml><?xml version="1.0" encoding="utf-8"?>
-<p:sld xmlns:a="http://schemas.openxmlformats.org/drawingml/2006/main" xmlns:r="http://schemas.openxmlformats.org/officeDocument/2006/relationships" xmlns:p="http://schemas.openxmlformats.org/presentationml/2006/main">
-  <p:cSld>
-    <p:spTree>
-      <p:nvGrpSpPr>
-        <p:cNvPr id="1" name=""/>
-        <p:cNvGrpSpPr/>
-        <p:nvPr/>
-      </p:nvGrpSpPr>
-      <p:grpSpPr>
-        <a:xfrm>
-          <a:off x="0" y="0"/>
-          <a:ext cx="0" cy="0"/>
-          <a:chOff x="0" y="0"/>
-          <a:chExt cx="0" cy="0"/>
-        </a:xfrm>
-      </p:grpSpPr>
-      <p:sp>
-        <p:nvSpPr>
-          <p:cNvPr id="2" name="Title 1"/>
-          <p:cNvSpPr>
-            <a:spLocks noGrp="1"/>
-          </p:cNvSpPr>
-          <p:nvPr>
-            <p:ph type="title"/>
-          </p:nvPr>
-        </p:nvSpPr>
-        <p:spPr/>
-        <p:txBody>
-          <a:bodyPr/>
-          <a:lstStyle/>
-          <a:p>
-            <a:r>
-              <a:rPr lang="en-US" dirty="0" smtClean="0"/>
-              <a:t>Agenda</a:t>
-            </a:r>
-            <a:endParaRPr lang="en-US" dirty="0"/>
-          </a:p>
-        </p:txBody>
-      </p:sp>
-      <p:sp>
-        <p:nvSpPr>
-          <p:cNvPr id="3" name="Content Placeholder 2"/>
-          <p:cNvSpPr>
-            <a:spLocks noGrp="1"/>
-          </p:cNvSpPr>
-          <p:nvPr>
-            <p:ph idx="1"/>
-          </p:nvPr>
-        </p:nvSpPr>
-        <p:spPr/>
-        <p:txBody>
-          <a:bodyPr/>
-          <a:lstStyle/>
-          <a:p>
-            <a:r>
-              <a:rPr lang="en-US" dirty="0" smtClean="0"/>
-              <a:t>Why do we have concurrency In Node.js in our servers</a:t>
-            </a:r>
-            <a:endParaRPr lang="he-IL" dirty="0"/>
-          </a:p>
-          <a:p>
-            <a:r>
-              <a:rPr lang="en-US" dirty="0" smtClean="0"/>
-              <a:t>Lazy Initialization</a:t>
-            </a:r>
-          </a:p>
-          <a:p>
-            <a:r>
-              <a:rPr lang="en-US" dirty="0" smtClean="0"/>
-              <a:t>Lock an object shared by multiple asynchronous functions</a:t>
-            </a:r>
-          </a:p>
-          <a:p>
-            <a:r>
-              <a:rPr lang="en-US" dirty="0" smtClean="0"/>
-              <a:t>Update the same object concurrently</a:t>
-            </a:r>
-            <a:endParaRPr lang="en-US" dirty="0"/>
-          </a:p>
-        </p:txBody>
-      </p:sp>
-    </p:spTree>
-    <p:extLst>
-      <p:ext uri="{BB962C8B-B14F-4D97-AF65-F5344CB8AC3E}">
-        <p14:creationId xmlns:p14="http://schemas.microsoft.com/office/powerpoint/2010/main" val="1790054153"/>
-      </p:ext>
-    </p:extLst>
-  </p:cSld>
-  <p:clrMapOvr>
-    <a:masterClrMapping/>
-  </p:clrMapOvr>
-  <p:timing>
-    <p:tnLst>
-      <p:par>
-        <p:cTn id="1" dur="indefinite" restart="never" nodeType="tmRoot"/>
-      </p:par>
-    </p:tnLst>
-  </p:timing>
 </p:sld>
 </file>
 
@@ -7940,67 +8772,28 @@
             <p:ph type="title"/>
           </p:nvPr>
         </p:nvSpPr>
-        <p:spPr/>
-        <p:txBody>
-          <a:bodyPr>
-            <a:normAutofit/>
-          </a:bodyPr>
+        <p:spPr>
+          <a:xfrm>
+            <a:off x="609599" y="2641600"/>
+            <a:ext cx="6347713" cy="1320800"/>
+          </a:xfrm>
+        </p:spPr>
+        <p:txBody>
+          <a:bodyPr/>
           <a:lstStyle/>
           <a:p>
             <a:r>
               <a:rPr lang="en-US" dirty="0" smtClean="0"/>
-              <a:t>Node.js Single Process</a:t>
+              <a:t>Child Process Module</a:t>
             </a:r>
             <a:endParaRPr lang="en-US" dirty="0"/>
-          </a:p>
-        </p:txBody>
-      </p:sp>
-      <p:sp>
-        <p:nvSpPr>
-          <p:cNvPr id="3" name="Content Placeholder 2"/>
-          <p:cNvSpPr>
-            <a:spLocks noGrp="1"/>
-          </p:cNvSpPr>
-          <p:nvPr>
-            <p:ph idx="1"/>
-          </p:nvPr>
-        </p:nvSpPr>
-        <p:spPr/>
-        <p:txBody>
-          <a:bodyPr/>
-          <a:lstStyle/>
-          <a:p>
-            <a:r>
-              <a:rPr lang="en-US" dirty="0" smtClean="0"/>
-              <a:t>Node.js Is single process with event loop</a:t>
-            </a:r>
-          </a:p>
-          <a:p>
-            <a:r>
-              <a:rPr lang="en-US" dirty="0" smtClean="0"/>
-              <a:t>If You have a multi core machine – you will not use your entire machine power</a:t>
-            </a:r>
-          </a:p>
-          <a:p>
-            <a:r>
-              <a:rPr lang="en-US" dirty="0" smtClean="0"/>
-              <a:t>The load on one CPU is limited – not matter how strong the CPU is</a:t>
-            </a:r>
-            <a:endParaRPr lang="en-US" dirty="0" smtClean="0"/>
-          </a:p>
-          <a:p>
-            <a:r>
-              <a:rPr lang="en-US" dirty="0" smtClean="0"/>
-              <a:t>You need a way to run your application on multi process and to use the entire machine power.</a:t>
-            </a:r>
-            <a:endParaRPr lang="en-US" dirty="0" smtClean="0"/>
           </a:p>
         </p:txBody>
       </p:sp>
     </p:spTree>
     <p:extLst>
       <p:ext uri="{BB962C8B-B14F-4D97-AF65-F5344CB8AC3E}">
-        <p14:creationId xmlns:p14="http://schemas.microsoft.com/office/powerpoint/2010/main" val="2886122911"/>
+        <p14:creationId xmlns:p14="http://schemas.microsoft.com/office/powerpoint/2010/main" val="2270373892"/>
       </p:ext>
     </p:extLst>
   </p:cSld>
@@ -8044,57 +8837,52 @@
           <a:p>
             <a:r>
               <a:rPr lang="en-US" dirty="0" smtClean="0"/>
-              <a:t>I</a:t>
-            </a:r>
+              <a:t>Introduction</a:t>
+            </a:r>
+            <a:endParaRPr lang="en-US" dirty="0"/>
+          </a:p>
+        </p:txBody>
+      </p:sp>
+      <p:sp>
+        <p:nvSpPr>
+          <p:cNvPr id="3" name="Content Placeholder 2"/>
+          <p:cNvSpPr>
+            <a:spLocks noGrp="1"/>
+          </p:cNvSpPr>
+          <p:nvPr>
+            <p:ph idx="1"/>
+          </p:nvPr>
+        </p:nvSpPr>
+        <p:spPr/>
+        <p:txBody>
+          <a:bodyPr/>
+          <a:lstStyle/>
+          <a:p>
             <a:r>
               <a:rPr lang="en-US" dirty="0" smtClean="0"/>
-              <a:t>ntroducing </a:t>
-            </a:r>
+              <a:t>Ability to spawn a child process</a:t>
+            </a:r>
+            <a:endParaRPr lang="he-IL" dirty="0"/>
+          </a:p>
+          <a:p>
             <a:r>
               <a:rPr lang="en-US" dirty="0" smtClean="0"/>
-              <a:t>The Cluster Module</a:t>
-            </a:r>
-            <a:endParaRPr lang="en-US" dirty="0"/>
-          </a:p>
-        </p:txBody>
-      </p:sp>
-      <p:sp>
-        <p:nvSpPr>
-          <p:cNvPr id="3" name="Content Placeholder 2"/>
-          <p:cNvSpPr>
-            <a:spLocks noGrp="1"/>
-          </p:cNvSpPr>
-          <p:nvPr>
-            <p:ph idx="1"/>
-          </p:nvPr>
-        </p:nvSpPr>
-        <p:spPr/>
-        <p:txBody>
-          <a:bodyPr/>
-          <a:lstStyle/>
+              <a:t>Enables us to access operating system functionality by running system commands in a child process</a:t>
+            </a:r>
+          </a:p>
           <a:p>
             <a:r>
               <a:rPr lang="en-US" dirty="0" smtClean="0"/>
-              <a:t>A module that helps us to utilize all the CPUs of the machine</a:t>
+              <a:t>Control child process’s input stream</a:t>
             </a:r>
           </a:p>
           <a:p>
             <a:r>
               <a:rPr lang="en-US" dirty="0" smtClean="0"/>
-              <a:t>Contains set of functions and properties </a:t>
-            </a:r>
-          </a:p>
-          <a:p>
-            <a:r>
-              <a:rPr lang="en-US" dirty="0" smtClean="0"/>
-              <a:t>Enables us to fork several new process</a:t>
-            </a:r>
-          </a:p>
-          <a:p>
-            <a:r>
-              <a:rPr lang="en-US" dirty="0" smtClean="0"/>
-              <a:t>Main goal – to easily create more processes to handle more load and scale you application easily</a:t>
-            </a:r>
+              <a:t>Listen to the process output stream</a:t>
+            </a:r>
+          </a:p>
+          <a:p>
             <a:endParaRPr lang="en-US" dirty="0"/>
           </a:p>
         </p:txBody>
@@ -8102,7 +8890,7 @@
     </p:spTree>
     <p:extLst>
       <p:ext uri="{BB962C8B-B14F-4D97-AF65-F5344CB8AC3E}">
-        <p14:creationId xmlns:p14="http://schemas.microsoft.com/office/powerpoint/2010/main" val="3894075416"/>
+        <p14:creationId xmlns:p14="http://schemas.microsoft.com/office/powerpoint/2010/main" val="2870862606"/>
       </p:ext>
     </p:extLst>
   </p:cSld>
@@ -8139,76 +8927,58 @@
             <p:ph type="title"/>
           </p:nvPr>
         </p:nvSpPr>
-        <p:spPr/>
+        <p:spPr>
+          <a:xfrm>
+            <a:off x="609599" y="152400"/>
+            <a:ext cx="6347713" cy="1320800"/>
+          </a:xfrm>
+        </p:spPr>
         <p:txBody>
           <a:bodyPr/>
           <a:lstStyle/>
           <a:p>
             <a:r>
               <a:rPr lang="en-US" dirty="0" smtClean="0"/>
-              <a:t>How it works on a nutshell</a:t>
+              <a:t>Child Process Module Operations</a:t>
             </a:r>
             <a:endParaRPr lang="en-US" dirty="0"/>
           </a:p>
         </p:txBody>
       </p:sp>
-      <p:sp>
-        <p:nvSpPr>
-          <p:cNvPr id="3" name="Content Placeholder 2"/>
-          <p:cNvSpPr>
-            <a:spLocks noGrp="1"/>
-          </p:cNvSpPr>
-          <p:nvPr>
-            <p:ph idx="1"/>
-          </p:nvPr>
-        </p:nvSpPr>
-        <p:spPr/>
-        <p:txBody>
-          <a:bodyPr/>
-          <a:lstStyle/>
-          <a:p>
-            <a:r>
-              <a:rPr lang="en-US" dirty="0" smtClean="0"/>
-              <a:t>Has a master process and a child process</a:t>
-            </a:r>
-          </a:p>
-          <a:p>
-            <a:r>
-              <a:rPr lang="en-US" dirty="0" smtClean="0"/>
-              <a:t>All processes share the same server port</a:t>
-            </a:r>
-          </a:p>
-          <a:p>
-            <a:r>
-              <a:rPr lang="en-US" dirty="0" smtClean="0"/>
-              <a:t>Communication done with IPC (inter process communication) messages</a:t>
-            </a:r>
-          </a:p>
-          <a:p>
-            <a:r>
-              <a:rPr lang="en-US" dirty="0" smtClean="0"/>
-              <a:t>No shared memory </a:t>
-            </a:r>
-          </a:p>
-          <a:p>
-            <a:r>
-              <a:rPr lang="en-US" dirty="0" smtClean="0"/>
-              <a:t>Each process is independent – has it’s own memory and resources</a:t>
-            </a:r>
-          </a:p>
-          <a:p>
-            <a:r>
-              <a:rPr lang="en-US" dirty="0" smtClean="0"/>
-              <a:t>Not recommended to spawn a lot of processes</a:t>
-            </a:r>
-            <a:endParaRPr lang="en-US" dirty="0"/>
-          </a:p>
-        </p:txBody>
-      </p:sp>
+      <p:pic>
+        <p:nvPicPr>
+          <p:cNvPr id="5" name="Picture 4"/>
+          <p:cNvPicPr>
+            <a:picLocks noChangeAspect="1"/>
+          </p:cNvPicPr>
+          <p:nvPr/>
+        </p:nvPicPr>
+        <p:blipFill>
+          <a:blip r:embed="rId2">
+            <a:extLst>
+              <a:ext uri="{28A0092B-C50C-407E-A947-70E740481C1C}">
+                <a14:useLocalDpi xmlns:a14="http://schemas.microsoft.com/office/drawing/2010/main" val="0"/>
+              </a:ext>
+            </a:extLst>
+          </a:blip>
+          <a:stretch>
+            <a:fillRect/>
+          </a:stretch>
+        </p:blipFill>
+        <p:spPr>
+          <a:xfrm>
+            <a:off x="914400" y="1600200"/>
+            <a:ext cx="6096000" cy="5029199"/>
+          </a:xfrm>
+          <a:prstGeom prst="rect">
+            <a:avLst/>
+          </a:prstGeom>
+        </p:spPr>
+      </p:pic>
     </p:spTree>
     <p:extLst>
       <p:ext uri="{BB962C8B-B14F-4D97-AF65-F5344CB8AC3E}">
-        <p14:creationId xmlns:p14="http://schemas.microsoft.com/office/powerpoint/2010/main" val="2193335476"/>
+        <p14:creationId xmlns:p14="http://schemas.microsoft.com/office/powerpoint/2010/main" val="3911485149"/>
       </p:ext>
     </p:extLst>
   </p:cSld>
@@ -8252,46 +9022,110 @@
           <a:p>
             <a:r>
               <a:rPr lang="en-US" dirty="0" smtClean="0"/>
-              <a:t>Master Slave Model</a:t>
+              <a:t>Exec</a:t>
+            </a:r>
+            <a:r>
+              <a:rPr lang="he-IL" dirty="0" smtClean="0"/>
+              <a:t> </a:t>
+            </a:r>
+            <a:r>
+              <a:rPr lang="en-US" dirty="0" smtClean="0"/>
+              <a:t>Method</a:t>
             </a:r>
             <a:endParaRPr lang="en-US" dirty="0"/>
           </a:p>
         </p:txBody>
       </p:sp>
-      <p:pic>
-        <p:nvPicPr>
-          <p:cNvPr id="3" name="Picture 2"/>
-          <p:cNvPicPr>
-            <a:picLocks noChangeAspect="1"/>
-          </p:cNvPicPr>
-          <p:nvPr/>
-        </p:nvPicPr>
-        <p:blipFill>
-          <a:blip r:embed="rId2">
-            <a:extLst>
-              <a:ext uri="{28A0092B-C50C-407E-A947-70E740481C1C}">
-                <a14:useLocalDpi xmlns:a14="http://schemas.microsoft.com/office/drawing/2010/main" val="0"/>
-              </a:ext>
-            </a:extLst>
-          </a:blip>
-          <a:stretch>
-            <a:fillRect/>
-          </a:stretch>
-        </p:blipFill>
-        <p:spPr>
-          <a:xfrm>
-            <a:off x="609600" y="2133600"/>
-            <a:ext cx="7080252" cy="2286000"/>
-          </a:xfrm>
-          <a:prstGeom prst="rect">
-            <a:avLst/>
-          </a:prstGeom>
-        </p:spPr>
-      </p:pic>
+      <p:sp>
+        <p:nvSpPr>
+          <p:cNvPr id="3" name="Content Placeholder 2"/>
+          <p:cNvSpPr>
+            <a:spLocks noGrp="1"/>
+          </p:cNvSpPr>
+          <p:nvPr>
+            <p:ph idx="1"/>
+          </p:nvPr>
+        </p:nvSpPr>
+        <p:spPr/>
+        <p:txBody>
+          <a:bodyPr/>
+          <a:lstStyle/>
+          <a:p>
+            <a:r>
+              <a:rPr lang="en-US" dirty="0"/>
+              <a:t>S</a:t>
+            </a:r>
+            <a:r>
+              <a:rPr lang="en-US" dirty="0" smtClean="0"/>
+              <a:t>pawn </a:t>
+            </a:r>
+            <a:r>
+              <a:rPr lang="en-US" dirty="0"/>
+              <a:t>a subshell </a:t>
+            </a:r>
+            <a:endParaRPr lang="en-US" dirty="0"/>
+          </a:p>
+          <a:p>
+            <a:r>
+              <a:rPr lang="en-US" dirty="0" smtClean="0"/>
+              <a:t>execute </a:t>
+            </a:r>
+            <a:r>
+              <a:rPr lang="en-US" dirty="0"/>
+              <a:t>the command in that </a:t>
+            </a:r>
+            <a:r>
+              <a:rPr lang="en-US" dirty="0" smtClean="0"/>
+              <a:t>shell</a:t>
+            </a:r>
+          </a:p>
+          <a:p>
+            <a:r>
+              <a:rPr lang="en-US" dirty="0" smtClean="0"/>
+              <a:t>buffer </a:t>
+            </a:r>
+            <a:r>
+              <a:rPr lang="en-US" dirty="0"/>
+              <a:t>generated data</a:t>
+            </a:r>
+            <a:r>
+              <a:rPr lang="en-US" dirty="0" smtClean="0"/>
+              <a:t>.</a:t>
+            </a:r>
+          </a:p>
+          <a:p>
+            <a:r>
+              <a:rPr lang="en-US" dirty="0" smtClean="0"/>
+              <a:t>On process complete, </a:t>
+            </a:r>
+            <a:r>
+              <a:rPr lang="en-US" dirty="0"/>
+              <a:t>callback function will be called with:</a:t>
+            </a:r>
+          </a:p>
+          <a:p>
+            <a:pPr lvl="1"/>
+            <a:r>
+              <a:rPr lang="en-US" dirty="0"/>
+              <a:t>buffered data when the command executes successfully</a:t>
+            </a:r>
+          </a:p>
+          <a:p>
+            <a:pPr lvl="1"/>
+            <a:r>
+              <a:rPr lang="en-US" dirty="0"/>
+              <a:t>error (which is an instance of Error) when the command fails</a:t>
+            </a:r>
+          </a:p>
+          <a:p>
+            <a:endParaRPr lang="en-US" dirty="0"/>
+          </a:p>
+        </p:txBody>
+      </p:sp>
     </p:spTree>
     <p:extLst>
       <p:ext uri="{BB962C8B-B14F-4D97-AF65-F5344CB8AC3E}">
-        <p14:creationId xmlns:p14="http://schemas.microsoft.com/office/powerpoint/2010/main" val="1687140342"/>
+        <p14:creationId xmlns:p14="http://schemas.microsoft.com/office/powerpoint/2010/main" val="2482100349"/>
       </p:ext>
     </p:extLst>
   </p:cSld>
@@ -8328,28 +9162,195 @@
             <p:ph type="title"/>
           </p:nvPr>
         </p:nvSpPr>
+        <p:spPr/>
+        <p:txBody>
+          <a:bodyPr/>
+          <a:lstStyle/>
+          <a:p>
+            <a:r>
+              <a:rPr lang="en-US" dirty="0" err="1" smtClean="0"/>
+              <a:t>ExecFile</a:t>
+            </a:r>
+            <a:r>
+              <a:rPr lang="en-US" dirty="0" smtClean="0"/>
+              <a:t> Method</a:t>
+            </a:r>
+            <a:endParaRPr lang="en-US" dirty="0"/>
+          </a:p>
+        </p:txBody>
+      </p:sp>
+      <p:sp>
+        <p:nvSpPr>
+          <p:cNvPr id="3" name="Content Placeholder 2"/>
+          <p:cNvSpPr>
+            <a:spLocks noGrp="1"/>
+          </p:cNvSpPr>
+          <p:nvPr>
+            <p:ph idx="1"/>
+          </p:nvPr>
+        </p:nvSpPr>
         <p:spPr>
           <a:xfrm>
-            <a:off x="609599" y="2336800"/>
-            <a:ext cx="6347713" cy="1320800"/>
+            <a:off x="609599" y="1600200"/>
+            <a:ext cx="6347714" cy="4441163"/>
           </a:xfrm>
         </p:spPr>
         <p:txBody>
-          <a:bodyPr/>
-          <a:lstStyle/>
-          <a:p>
-            <a:r>
-              <a:rPr lang="en-US" dirty="0" smtClean="0"/>
-              <a:t>Demo – Base Example Of Cluster Module</a:t>
-            </a:r>
-            <a:endParaRPr lang="en-US" dirty="0"/>
+          <a:bodyPr>
+            <a:noAutofit/>
+          </a:bodyPr>
+          <a:lstStyle/>
+          <a:p>
+            <a:r>
+              <a:rPr lang="en-US" sz="2000" dirty="0"/>
+              <a:t>Executes an external application, </a:t>
+            </a:r>
+            <a:r>
+              <a:rPr lang="en-US" sz="2000" dirty="0" smtClean="0"/>
+              <a:t>given:</a:t>
+            </a:r>
+          </a:p>
+          <a:p>
+            <a:pPr lvl="1"/>
+            <a:r>
+              <a:rPr lang="en-US" sz="2000" dirty="0"/>
+              <a:t>O</a:t>
+            </a:r>
+            <a:r>
+              <a:rPr lang="en-US" sz="2000" dirty="0" smtClean="0"/>
+              <a:t>ptional </a:t>
+            </a:r>
+            <a:r>
+              <a:rPr lang="en-US" sz="2000" dirty="0"/>
+              <a:t>arguments </a:t>
+            </a:r>
+            <a:r>
+              <a:rPr lang="en-US" sz="2000" dirty="0"/>
+              <a:t> </a:t>
+            </a:r>
+            <a:endParaRPr lang="en-US" sz="2000" dirty="0" smtClean="0"/>
+          </a:p>
+          <a:p>
+            <a:pPr lvl="1"/>
+            <a:r>
+              <a:rPr lang="en-US" sz="2000" dirty="0"/>
+              <a:t>C</a:t>
+            </a:r>
+            <a:r>
+              <a:rPr lang="en-US" sz="2000" dirty="0" smtClean="0"/>
+              <a:t>allback </a:t>
+            </a:r>
+            <a:r>
+              <a:rPr lang="en-US" sz="2000" dirty="0"/>
+              <a:t>with the buffered </a:t>
+            </a:r>
+            <a:r>
+              <a:rPr lang="en-US" sz="2000" dirty="0" smtClean="0"/>
+              <a:t>output.</a:t>
+            </a:r>
+          </a:p>
+          <a:p>
+            <a:r>
+              <a:rPr lang="en-US" sz="2000" dirty="0"/>
+              <a:t>U</a:t>
+            </a:r>
+            <a:r>
+              <a:rPr lang="en-US" sz="2000" dirty="0" smtClean="0"/>
+              <a:t>ses </a:t>
+            </a:r>
+            <a:r>
+              <a:rPr lang="en-US" sz="2000" dirty="0"/>
+              <a:t>the PATH environment variable </a:t>
+            </a:r>
+            <a:r>
+              <a:rPr lang="en-US" sz="2000" dirty="0" smtClean="0"/>
+              <a:t>to locate executables</a:t>
+            </a:r>
+          </a:p>
+          <a:p>
+            <a:r>
+              <a:rPr lang="en-US" sz="2000" dirty="0" smtClean="0"/>
+              <a:t>When :</a:t>
+            </a:r>
+          </a:p>
+          <a:p>
+            <a:pPr lvl="1"/>
+            <a:r>
+              <a:rPr lang="en-US" sz="2000" dirty="0"/>
+              <a:t>E</a:t>
+            </a:r>
+            <a:r>
+              <a:rPr lang="en-US" sz="2000" dirty="0" smtClean="0"/>
+              <a:t>xecute </a:t>
+            </a:r>
+            <a:r>
+              <a:rPr lang="en-US" sz="2000" dirty="0"/>
+              <a:t>an application and get the output. </a:t>
+            </a:r>
+            <a:endParaRPr lang="en-US" sz="2000" dirty="0" smtClean="0"/>
+          </a:p>
+          <a:p>
+            <a:pPr lvl="1"/>
+            <a:r>
+              <a:rPr lang="en-US" sz="2000" dirty="0"/>
+              <a:t> </a:t>
+            </a:r>
+            <a:r>
+              <a:rPr lang="en-US" sz="2000" dirty="0"/>
+              <a:t>S</a:t>
+            </a:r>
+            <a:r>
+              <a:rPr lang="en-US" sz="2000" dirty="0" smtClean="0"/>
+              <a:t>hould </a:t>
+            </a:r>
+            <a:r>
+              <a:rPr lang="en-US" sz="2000" dirty="0"/>
+              <a:t>not be used when </a:t>
+            </a:r>
+            <a:endParaRPr lang="en-US" sz="2000" dirty="0" smtClean="0"/>
+          </a:p>
+          <a:p>
+            <a:pPr lvl="2"/>
+            <a:r>
+              <a:rPr lang="en-US" sz="2000" dirty="0"/>
+              <a:t>A</a:t>
+            </a:r>
+            <a:r>
+              <a:rPr lang="en-US" sz="2000" dirty="0" smtClean="0"/>
+              <a:t>pplication </a:t>
+            </a:r>
+            <a:r>
+              <a:rPr lang="en-US" sz="2000" dirty="0"/>
+              <a:t>produces a large amount of data </a:t>
+            </a:r>
+            <a:endParaRPr lang="en-US" sz="2000" dirty="0" smtClean="0"/>
+          </a:p>
+          <a:p>
+            <a:pPr lvl="2"/>
+            <a:r>
+              <a:rPr lang="en-US" sz="2000" dirty="0"/>
+              <a:t>C</a:t>
+            </a:r>
+            <a:r>
+              <a:rPr lang="en-US" sz="2000" dirty="0" smtClean="0"/>
+              <a:t>onsume </a:t>
+            </a:r>
+            <a:r>
+              <a:rPr lang="en-US" sz="2000" dirty="0"/>
+              <a:t>that data in real </a:t>
+            </a:r>
+            <a:r>
+              <a:rPr lang="en-US" sz="2000" dirty="0" smtClean="0"/>
+              <a:t>time.</a:t>
+            </a:r>
+            <a:endParaRPr lang="en-US" sz="2000" dirty="0"/>
           </a:p>
         </p:txBody>
       </p:sp>
     </p:spTree>
     <p:extLst>
       <p:ext uri="{BB962C8B-B14F-4D97-AF65-F5344CB8AC3E}">
-        <p14:creationId xmlns:p14="http://schemas.microsoft.com/office/powerpoint/2010/main" val="3059242493"/>
+        <p14:creationId xmlns:p14="http://schemas.microsoft.com/office/powerpoint/2010/main" val="2708887687"/>
       </p:ext>
     </p:extLst>
   </p:cSld>
@@ -8386,62 +9387,34 @@
             <p:ph type="title"/>
           </p:nvPr>
         </p:nvSpPr>
-        <p:spPr/>
-        <p:txBody>
-          <a:bodyPr/>
+        <p:spPr>
+          <a:xfrm>
+            <a:off x="609599" y="2413000"/>
+            <a:ext cx="6347713" cy="1320800"/>
+          </a:xfrm>
+        </p:spPr>
+        <p:txBody>
+          <a:bodyPr>
+            <a:normAutofit fontScale="90000"/>
+          </a:bodyPr>
           <a:lstStyle/>
           <a:p>
             <a:r>
               <a:rPr lang="en-US" dirty="0" smtClean="0"/>
-              <a:t>M</a:t>
-            </a:r>
-            <a:r>
-              <a:rPr lang="en-US" dirty="0" smtClean="0"/>
-              <a:t>aster And Child Process Communication</a:t>
+              <a:t>Demo – Doing The Same Operation With Exec and </a:t>
+            </a:r>
+            <a:r>
+              <a:rPr lang="en-US" dirty="0" err="1" smtClean="0"/>
+              <a:t>ExecFile</a:t>
             </a:r>
             <a:endParaRPr lang="en-US" dirty="0"/>
-          </a:p>
-        </p:txBody>
-      </p:sp>
-      <p:sp>
-        <p:nvSpPr>
-          <p:cNvPr id="3" name="Content Placeholder 2"/>
-          <p:cNvSpPr>
-            <a:spLocks noGrp="1"/>
-          </p:cNvSpPr>
-          <p:nvPr>
-            <p:ph idx="1"/>
-          </p:nvPr>
-        </p:nvSpPr>
-        <p:spPr/>
-        <p:txBody>
-          <a:bodyPr/>
-          <a:lstStyle/>
-          <a:p>
-            <a:r>
-              <a:rPr lang="en-US" dirty="0" smtClean="0"/>
-              <a:t>IPC channel is created between master and worker on each worker forking</a:t>
-            </a:r>
-          </a:p>
-          <a:p>
-            <a:r>
-              <a:rPr lang="en-US" dirty="0" smtClean="0"/>
-              <a:t>Different Processes – No shared memory</a:t>
-            </a:r>
-          </a:p>
-          <a:p>
-            <a:r>
-              <a:rPr lang="en-US" dirty="0" smtClean="0"/>
-              <a:t>Only IPC available for communication</a:t>
-            </a:r>
-            <a:endParaRPr lang="he-IL" dirty="0" smtClean="0"/>
           </a:p>
         </p:txBody>
       </p:sp>
     </p:spTree>
     <p:extLst>
       <p:ext uri="{BB962C8B-B14F-4D97-AF65-F5344CB8AC3E}">
-        <p14:creationId xmlns:p14="http://schemas.microsoft.com/office/powerpoint/2010/main" val="3663710991"/>
+        <p14:creationId xmlns:p14="http://schemas.microsoft.com/office/powerpoint/2010/main" val="730758192"/>
       </p:ext>
     </p:extLst>
   </p:cSld>
@@ -8478,28 +9451,114 @@
             <p:ph type="title"/>
           </p:nvPr>
         </p:nvSpPr>
-        <p:spPr>
-          <a:xfrm>
-            <a:off x="609599" y="2336800"/>
-            <a:ext cx="6347713" cy="1320800"/>
-          </a:xfrm>
-        </p:spPr>
+        <p:spPr/>
         <p:txBody>
           <a:bodyPr/>
           <a:lstStyle/>
           <a:p>
             <a:r>
               <a:rPr lang="en-US" dirty="0" smtClean="0"/>
-              <a:t>Demo –Cluster Module Master Child Communication</a:t>
+              <a:t>Spawn Method</a:t>
             </a:r>
             <a:endParaRPr lang="en-US" dirty="0"/>
+          </a:p>
+        </p:txBody>
+      </p:sp>
+      <p:sp>
+        <p:nvSpPr>
+          <p:cNvPr id="3" name="Content Placeholder 2"/>
+          <p:cNvSpPr>
+            <a:spLocks noGrp="1"/>
+          </p:cNvSpPr>
+          <p:nvPr>
+            <p:ph idx="1"/>
+          </p:nvPr>
+        </p:nvSpPr>
+        <p:spPr/>
+        <p:txBody>
+          <a:bodyPr>
+            <a:normAutofit/>
+          </a:bodyPr>
+          <a:lstStyle/>
+          <a:p>
+            <a:r>
+              <a:rPr lang="en-US" sz="2000" dirty="0" smtClean="0"/>
+              <a:t>Spawn an external application in a new process.</a:t>
+            </a:r>
+          </a:p>
+          <a:p>
+            <a:r>
+              <a:rPr lang="en-US" sz="2000" dirty="0" smtClean="0"/>
+              <a:t>Return a streaming interface for I/O</a:t>
+            </a:r>
+          </a:p>
+          <a:p>
+            <a:r>
+              <a:rPr lang="en-US" sz="2000" dirty="0" smtClean="0"/>
+              <a:t>When to use it ?</a:t>
+            </a:r>
+          </a:p>
+          <a:p>
+            <a:r>
+              <a:rPr lang="en-US" sz="2000" dirty="0"/>
+              <a:t>G</a:t>
+            </a:r>
+            <a:r>
+              <a:rPr lang="en-US" sz="2000" dirty="0" smtClean="0"/>
+              <a:t>reat </a:t>
+            </a:r>
+            <a:r>
+              <a:rPr lang="en-US" sz="2000" dirty="0"/>
+              <a:t>for </a:t>
+            </a:r>
+            <a:r>
+              <a:rPr lang="en-US" sz="2000" dirty="0" smtClean="0"/>
+              <a:t> :</a:t>
+            </a:r>
+          </a:p>
+          <a:p>
+            <a:pPr lvl="1"/>
+            <a:r>
+              <a:rPr lang="en-US" sz="2000" dirty="0" smtClean="0"/>
+              <a:t>handling </a:t>
+            </a:r>
+            <a:r>
+              <a:rPr lang="en-US" sz="2000" dirty="0"/>
+              <a:t>applications that produce large amounts of </a:t>
+            </a:r>
+            <a:r>
+              <a:rPr lang="en-US" sz="2000" dirty="0" smtClean="0"/>
+              <a:t>data</a:t>
+            </a:r>
+          </a:p>
+          <a:p>
+            <a:pPr lvl="1"/>
+            <a:r>
+              <a:rPr lang="en-US" sz="2000" dirty="0"/>
+              <a:t>F</a:t>
+            </a:r>
+            <a:r>
+              <a:rPr lang="en-US" sz="2000" dirty="0" smtClean="0"/>
+              <a:t>or </a:t>
+            </a:r>
+            <a:r>
+              <a:rPr lang="en-US" sz="2000" dirty="0"/>
+              <a:t>working with data as it reads </a:t>
+            </a:r>
+            <a:r>
+              <a:rPr lang="en-US" sz="2000" dirty="0" smtClean="0"/>
+              <a:t>in.</a:t>
+            </a:r>
+          </a:p>
+          <a:p>
+            <a:endParaRPr lang="en-US" sz="2000" dirty="0"/>
           </a:p>
         </p:txBody>
       </p:sp>
     </p:spTree>
     <p:extLst>
       <p:ext uri="{BB962C8B-B14F-4D97-AF65-F5344CB8AC3E}">
-        <p14:creationId xmlns:p14="http://schemas.microsoft.com/office/powerpoint/2010/main" val="3369191606"/>
+        <p14:creationId xmlns:p14="http://schemas.microsoft.com/office/powerpoint/2010/main" val="1425013981"/>
       </p:ext>
     </p:extLst>
   </p:cSld>
@@ -8760,7 +9819,7 @@
   <a:extraClrSchemeLst/>
   <a:extLst>
     <a:ext uri="{05A4C25C-085E-4340-85A3-A5531E510DB2}">
-      <thm15:themeFamily xmlns:thm15="http://schemas.microsoft.com/office/thememl/2012/main" xmlns="" name="Facet" id="{C0C680CD-088A-49FC-A102-D699147F32B2}" vid="{CFBC31BA-B70F-4F30-BCAA-4F3011E16C4D}"/>
+      <thm15:themeFamily xmlns="" xmlns:thm15="http://schemas.microsoft.com/office/thememl/2012/main" name="Facet" id="{C0C680CD-088A-49FC-A102-D699147F32B2}" vid="{CFBC31BA-B70F-4F30-BCAA-4F3011E16C4D}"/>
     </a:ext>
   </a:extLst>
 </a:theme>

--- a/child_process_and_cluster_module/child_process_and_cluster_module.pptx
+++ b/child_process_and_cluster_module/child_process_and_cluster_module.pptx
@@ -131,7 +131,7 @@
   </p:defaultTextStyle>
   <p:extLst>
     <p:ext uri="{EFAFB233-063F-42B5-8137-9DF3F51BA10A}">
-      <p15:sldGuideLst xmlns="" xmlns:p15="http://schemas.microsoft.com/office/powerpoint/2012/main">
+      <p15:sldGuideLst xmlns:p15="http://schemas.microsoft.com/office/powerpoint/2012/main" xmlns="">
         <p15:guide id="1" orient="horz" pos="2160">
           <p15:clr>
             <a:srgbClr val="A4A3A4"/>
@@ -230,7 +230,7 @@
           <a:p>
             <a:fld id="{1E64356D-F091-4486-B0BB-66BE03FC5D73}" type="datetimeFigureOut">
               <a:rPr lang="en-US" smtClean="0"/>
-              <a:t>4/11/2018</a:t>
+              <a:t>4/12/2018</a:t>
             </a:fld>
             <a:endParaRPr lang="en-US"/>
           </a:p>
@@ -1376,7 +1376,7 @@
             <a:fld id="{1D8BD707-D9CF-40AE-B4C6-C98DA3205C09}" type="datetimeFigureOut">
               <a:rPr lang="en-US" smtClean="0"/>
               <a:pPr/>
-              <a:t>4/11/2018</a:t>
+              <a:t>4/12/2018</a:t>
             </a:fld>
             <a:endParaRPr lang="en-US"/>
           </a:p>
@@ -1629,7 +1629,7 @@
             <a:fld id="{1D8BD707-D9CF-40AE-B4C6-C98DA3205C09}" type="datetimeFigureOut">
               <a:rPr lang="en-US" smtClean="0"/>
               <a:pPr/>
-              <a:t>4/11/2018</a:t>
+              <a:t>4/12/2018</a:t>
             </a:fld>
             <a:endParaRPr lang="en-US"/>
           </a:p>
@@ -1945,7 +1945,7 @@
             <a:fld id="{1D8BD707-D9CF-40AE-B4C6-C98DA3205C09}" type="datetimeFigureOut">
               <a:rPr lang="en-US" smtClean="0"/>
               <a:pPr/>
-              <a:t>4/11/2018</a:t>
+              <a:t>4/12/2018</a:t>
             </a:fld>
             <a:endParaRPr lang="en-US"/>
           </a:p>
@@ -2280,7 +2280,7 @@
             <a:fld id="{1D8BD707-D9CF-40AE-B4C6-C98DA3205C09}" type="datetimeFigureOut">
               <a:rPr lang="en-US" smtClean="0"/>
               <a:pPr/>
-              <a:t>4/11/2018</a:t>
+              <a:t>4/12/2018</a:t>
             </a:fld>
             <a:endParaRPr lang="en-US"/>
           </a:p>
@@ -2596,7 +2596,7 @@
             <a:fld id="{1D8BD707-D9CF-40AE-B4C6-C98DA3205C09}" type="datetimeFigureOut">
               <a:rPr lang="en-US" smtClean="0"/>
               <a:pPr/>
-              <a:t>4/11/2018</a:t>
+              <a:t>4/12/2018</a:t>
             </a:fld>
             <a:endParaRPr lang="en-US"/>
           </a:p>
@@ -2991,7 +2991,7 @@
             <a:fld id="{1D8BD707-D9CF-40AE-B4C6-C98DA3205C09}" type="datetimeFigureOut">
               <a:rPr lang="en-US" smtClean="0"/>
               <a:pPr/>
-              <a:t>4/11/2018</a:t>
+              <a:t>4/12/2018</a:t>
             </a:fld>
             <a:endParaRPr lang="en-US"/>
           </a:p>
@@ -3163,7 +3163,7 @@
             <a:fld id="{1D8BD707-D9CF-40AE-B4C6-C98DA3205C09}" type="datetimeFigureOut">
               <a:rPr lang="en-US" smtClean="0"/>
               <a:pPr/>
-              <a:t>4/11/2018</a:t>
+              <a:t>4/12/2018</a:t>
             </a:fld>
             <a:endParaRPr lang="en-US"/>
           </a:p>
@@ -3345,7 +3345,7 @@
             <a:fld id="{1D8BD707-D9CF-40AE-B4C6-C98DA3205C09}" type="datetimeFigureOut">
               <a:rPr lang="en-US" smtClean="0"/>
               <a:pPr/>
-              <a:t>4/11/2018</a:t>
+              <a:t>4/12/2018</a:t>
             </a:fld>
             <a:endParaRPr lang="en-US"/>
           </a:p>
@@ -3517,7 +3517,7 @@
             <a:fld id="{1D8BD707-D9CF-40AE-B4C6-C98DA3205C09}" type="datetimeFigureOut">
               <a:rPr lang="en-US" smtClean="0"/>
               <a:pPr/>
-              <a:t>4/11/2018</a:t>
+              <a:t>4/12/2018</a:t>
             </a:fld>
             <a:endParaRPr lang="en-US"/>
           </a:p>
@@ -3766,7 +3766,7 @@
             <a:fld id="{1D8BD707-D9CF-40AE-B4C6-C98DA3205C09}" type="datetimeFigureOut">
               <a:rPr lang="en-US" smtClean="0"/>
               <a:pPr/>
-              <a:t>4/11/2018</a:t>
+              <a:t>4/12/2018</a:t>
             </a:fld>
             <a:endParaRPr lang="en-US"/>
           </a:p>
@@ -4065,7 +4065,7 @@
             <a:fld id="{1D8BD707-D9CF-40AE-B4C6-C98DA3205C09}" type="datetimeFigureOut">
               <a:rPr lang="en-US" smtClean="0"/>
               <a:pPr/>
-              <a:t>4/11/2018</a:t>
+              <a:t>4/12/2018</a:t>
             </a:fld>
             <a:endParaRPr lang="en-US"/>
           </a:p>
@@ -4446,7 +4446,7 @@
             <a:fld id="{1D8BD707-D9CF-40AE-B4C6-C98DA3205C09}" type="datetimeFigureOut">
               <a:rPr lang="en-US" smtClean="0"/>
               <a:pPr/>
-              <a:t>4/11/2018</a:t>
+              <a:t>4/12/2018</a:t>
             </a:fld>
             <a:endParaRPr lang="en-US"/>
           </a:p>
@@ -4571,7 +4571,7 @@
             <a:fld id="{1D8BD707-D9CF-40AE-B4C6-C98DA3205C09}" type="datetimeFigureOut">
               <a:rPr lang="en-US" smtClean="0"/>
               <a:pPr/>
-              <a:t>4/11/2018</a:t>
+              <a:t>4/12/2018</a:t>
             </a:fld>
             <a:endParaRPr lang="en-US"/>
           </a:p>
@@ -4668,7 +4668,7 @@
             <a:fld id="{1D8BD707-D9CF-40AE-B4C6-C98DA3205C09}" type="datetimeFigureOut">
               <a:rPr lang="en-US" smtClean="0"/>
               <a:pPr/>
-              <a:t>4/11/2018</a:t>
+              <a:t>4/12/2018</a:t>
             </a:fld>
             <a:endParaRPr lang="en-US"/>
           </a:p>
@@ -4925,7 +4925,7 @@
             <a:fld id="{1D8BD707-D9CF-40AE-B4C6-C98DA3205C09}" type="datetimeFigureOut">
               <a:rPr lang="en-US" smtClean="0"/>
               <a:pPr/>
-              <a:t>4/11/2018</a:t>
+              <a:t>4/12/2018</a:t>
             </a:fld>
             <a:endParaRPr lang="en-US"/>
           </a:p>
@@ -5190,7 +5190,7 @@
             <a:fld id="{1D8BD707-D9CF-40AE-B4C6-C98DA3205C09}" type="datetimeFigureOut">
               <a:rPr lang="en-US" smtClean="0"/>
               <a:pPr/>
-              <a:t>4/11/2018</a:t>
+              <a:t>4/12/2018</a:t>
             </a:fld>
             <a:endParaRPr lang="en-US"/>
           </a:p>
@@ -6006,7 +6006,7 @@
             <a:fld id="{1D8BD707-D9CF-40AE-B4C6-C98DA3205C09}" type="datetimeFigureOut">
               <a:rPr lang="en-US" smtClean="0"/>
               <a:pPr/>
-              <a:t>4/11/2018</a:t>
+              <a:t>4/12/2018</a:t>
             </a:fld>
             <a:endParaRPr lang="en-US"/>
           </a:p>
@@ -6554,7 +6554,11 @@
             <a:pPr algn="l"/>
             <a:r>
               <a:rPr lang="en-US" dirty="0" smtClean="0"/>
-              <a:t>The Cluster Module</a:t>
+              <a:t>Child Process And The </a:t>
+            </a:r>
+            <a:r>
+              <a:rPr lang="en-US" dirty="0" smtClean="0"/>
+              <a:t>Cluster Module</a:t>
             </a:r>
             <a:endParaRPr lang="en-US" dirty="0"/>
           </a:p>
@@ -7548,11 +7552,7 @@
           <a:p>
             <a:r>
               <a:rPr lang="en-US" dirty="0" smtClean="0"/>
-              <a:t>Cluster Module</a:t>
-            </a:r>
-            <a:r>
-              <a:rPr lang="en-US" dirty="0" smtClean="0"/>
-              <a:t> IPC</a:t>
+              <a:t>Cluster Module IPC</a:t>
             </a:r>
           </a:p>
           <a:p>
@@ -9063,7 +9063,6 @@
               <a:rPr lang="en-US" dirty="0"/>
               <a:t>a subshell </a:t>
             </a:r>
-            <a:endParaRPr lang="en-US" dirty="0"/>
           </a:p>
           <a:p>
             <a:r>
@@ -9222,11 +9221,7 @@
             </a:r>
             <a:r>
               <a:rPr lang="en-US" sz="2000" dirty="0"/>
-              <a:t>arguments </a:t>
-            </a:r>
-            <a:r>
-              <a:rPr lang="en-US" sz="2000" dirty="0"/>
-              <a:t> </a:t>
+              <a:t>arguments  </a:t>
             </a:r>
             <a:endParaRPr lang="en-US" sz="2000" dirty="0" smtClean="0"/>
           </a:p>
@@ -9293,11 +9288,7 @@
             <a:pPr lvl="1"/>
             <a:r>
               <a:rPr lang="en-US" sz="2000" dirty="0"/>
-              <a:t> </a:t>
-            </a:r>
-            <a:r>
-              <a:rPr lang="en-US" sz="2000" dirty="0"/>
-              <a:t>S</a:t>
+              <a:t> S</a:t>
             </a:r>
             <a:r>
               <a:rPr lang="en-US" sz="2000" dirty="0" smtClean="0"/>
@@ -9819,7 +9810,7 @@
   <a:extraClrSchemeLst/>
   <a:extLst>
     <a:ext uri="{05A4C25C-085E-4340-85A3-A5531E510DB2}">
-      <thm15:themeFamily xmlns="" xmlns:thm15="http://schemas.microsoft.com/office/thememl/2012/main" name="Facet" id="{C0C680CD-088A-49FC-A102-D699147F32B2}" vid="{CFBC31BA-B70F-4F30-BCAA-4F3011E16C4D}"/>
+      <thm15:themeFamily xmlns:thm15="http://schemas.microsoft.com/office/thememl/2012/main" xmlns="" name="Facet" id="{C0C680CD-088A-49FC-A102-D699147F32B2}" vid="{CFBC31BA-B70F-4F30-BCAA-4F3011E16C4D}"/>
     </a:ext>
   </a:extLst>
 </a:theme>
